--- a/testing/read_to_isoform_class_assignments/docs/sqanti-like.pptx
+++ b/testing/read_to_isoform_class_assignments/docs/sqanti-like.pptx
@@ -107,6 +107,11 @@
       </a:defRPr>
     </a:lvl9pPr>
   </p:defaultTextStyle>
+  <p:extLst>
+    <p:ext uri="{EFAFB233-063F-42B5-8137-9DF3F51BA10A}">
+      <p15:sldGuideLst xmlns:p15="http://schemas.microsoft.com/office/powerpoint/2012/main"/>
+    </p:ext>
+  </p:extLst>
 </p:presentation>
 </file>
 
@@ -192,7 +197,7 @@
           <a:p>
             <a:fld id="{1E9F8ABC-8ACC-8749-95C3-B70C48A1E71A}" type="datetimeFigureOut">
               <a:rPr lang="en-US" smtClean="0"/>
-              <a:t>5/28/25</a:t>
+              <a:t>6/4/25</a:t>
             </a:fld>
             <a:endParaRPr lang="en-US"/>
           </a:p>
@@ -781,7 +786,7 @@
           <a:p>
             <a:fld id="{3DAF2A66-4244-864B-960D-A877598354A4}" type="datetimeFigureOut">
               <a:rPr lang="en-US" smtClean="0"/>
-              <a:t>5/28/25</a:t>
+              <a:t>6/4/25</a:t>
             </a:fld>
             <a:endParaRPr lang="en-US"/>
           </a:p>
@@ -951,7 +956,7 @@
           <a:p>
             <a:fld id="{3DAF2A66-4244-864B-960D-A877598354A4}" type="datetimeFigureOut">
               <a:rPr lang="en-US" smtClean="0"/>
-              <a:t>5/28/25</a:t>
+              <a:t>6/4/25</a:t>
             </a:fld>
             <a:endParaRPr lang="en-US"/>
           </a:p>
@@ -1131,7 +1136,7 @@
           <a:p>
             <a:fld id="{3DAF2A66-4244-864B-960D-A877598354A4}" type="datetimeFigureOut">
               <a:rPr lang="en-US" smtClean="0"/>
-              <a:t>5/28/25</a:t>
+              <a:t>6/4/25</a:t>
             </a:fld>
             <a:endParaRPr lang="en-US"/>
           </a:p>
@@ -1301,7 +1306,7 @@
           <a:p>
             <a:fld id="{3DAF2A66-4244-864B-960D-A877598354A4}" type="datetimeFigureOut">
               <a:rPr lang="en-US" smtClean="0"/>
-              <a:t>5/28/25</a:t>
+              <a:t>6/4/25</a:t>
             </a:fld>
             <a:endParaRPr lang="en-US"/>
           </a:p>
@@ -1547,7 +1552,7 @@
           <a:p>
             <a:fld id="{3DAF2A66-4244-864B-960D-A877598354A4}" type="datetimeFigureOut">
               <a:rPr lang="en-US" smtClean="0"/>
-              <a:t>5/28/25</a:t>
+              <a:t>6/4/25</a:t>
             </a:fld>
             <a:endParaRPr lang="en-US"/>
           </a:p>
@@ -1779,7 +1784,7 @@
           <a:p>
             <a:fld id="{3DAF2A66-4244-864B-960D-A877598354A4}" type="datetimeFigureOut">
               <a:rPr lang="en-US" smtClean="0"/>
-              <a:t>5/28/25</a:t>
+              <a:t>6/4/25</a:t>
             </a:fld>
             <a:endParaRPr lang="en-US"/>
           </a:p>
@@ -2146,7 +2151,7 @@
           <a:p>
             <a:fld id="{3DAF2A66-4244-864B-960D-A877598354A4}" type="datetimeFigureOut">
               <a:rPr lang="en-US" smtClean="0"/>
-              <a:t>5/28/25</a:t>
+              <a:t>6/4/25</a:t>
             </a:fld>
             <a:endParaRPr lang="en-US"/>
           </a:p>
@@ -2264,7 +2269,7 @@
           <a:p>
             <a:fld id="{3DAF2A66-4244-864B-960D-A877598354A4}" type="datetimeFigureOut">
               <a:rPr lang="en-US" smtClean="0"/>
-              <a:t>5/28/25</a:t>
+              <a:t>6/4/25</a:t>
             </a:fld>
             <a:endParaRPr lang="en-US"/>
           </a:p>
@@ -2359,7 +2364,7 @@
           <a:p>
             <a:fld id="{3DAF2A66-4244-864B-960D-A877598354A4}" type="datetimeFigureOut">
               <a:rPr lang="en-US" smtClean="0"/>
-              <a:t>5/28/25</a:t>
+              <a:t>6/4/25</a:t>
             </a:fld>
             <a:endParaRPr lang="en-US"/>
           </a:p>
@@ -2636,7 +2641,7 @@
           <a:p>
             <a:fld id="{3DAF2A66-4244-864B-960D-A877598354A4}" type="datetimeFigureOut">
               <a:rPr lang="en-US" smtClean="0"/>
-              <a:t>5/28/25</a:t>
+              <a:t>6/4/25</a:t>
             </a:fld>
             <a:endParaRPr lang="en-US"/>
           </a:p>
@@ -2893,7 +2898,7 @@
           <a:p>
             <a:fld id="{3DAF2A66-4244-864B-960D-A877598354A4}" type="datetimeFigureOut">
               <a:rPr lang="en-US" smtClean="0"/>
-              <a:t>5/28/25</a:t>
+              <a:t>6/4/25</a:t>
             </a:fld>
             <a:endParaRPr lang="en-US"/>
           </a:p>
@@ -3106,7 +3111,7 @@
           <a:p>
             <a:fld id="{3DAF2A66-4244-864B-960D-A877598354A4}" type="datetimeFigureOut">
               <a:rPr lang="en-US" smtClean="0"/>
-              <a:t>5/28/25</a:t>
+              <a:t>6/4/25</a:t>
             </a:fld>
             <a:endParaRPr lang="en-US"/>
           </a:p>
@@ -7019,7 +7024,7 @@
                   <a:srgbClr val="D86ECC"/>
                 </a:solidFill>
               </a:rPr>
-              <a:t>Incomplete Splice Match (FSM)</a:t>
+              <a:t>Incomplete Splice Match (ISM)</a:t>
             </a:r>
           </a:p>
         </p:txBody>

--- a/testing/read_to_isoform_class_assignments/docs/sqanti-like.pptx
+++ b/testing/read_to_isoform_class_assignments/docs/sqanti-like.pptx
@@ -197,7 +197,7 @@
           <a:p>
             <a:fld id="{1E9F8ABC-8ACC-8749-95C3-B70C48A1E71A}" type="datetimeFigureOut">
               <a:rPr lang="en-US" smtClean="0"/>
-              <a:t>6/4/25</a:t>
+              <a:t>10/13/25</a:t>
             </a:fld>
             <a:endParaRPr lang="en-US"/>
           </a:p>
@@ -786,7 +786,7 @@
           <a:p>
             <a:fld id="{3DAF2A66-4244-864B-960D-A877598354A4}" type="datetimeFigureOut">
               <a:rPr lang="en-US" smtClean="0"/>
-              <a:t>6/4/25</a:t>
+              <a:t>10/13/25</a:t>
             </a:fld>
             <a:endParaRPr lang="en-US"/>
           </a:p>
@@ -956,7 +956,7 @@
           <a:p>
             <a:fld id="{3DAF2A66-4244-864B-960D-A877598354A4}" type="datetimeFigureOut">
               <a:rPr lang="en-US" smtClean="0"/>
-              <a:t>6/4/25</a:t>
+              <a:t>10/13/25</a:t>
             </a:fld>
             <a:endParaRPr lang="en-US"/>
           </a:p>
@@ -1136,7 +1136,7 @@
           <a:p>
             <a:fld id="{3DAF2A66-4244-864B-960D-A877598354A4}" type="datetimeFigureOut">
               <a:rPr lang="en-US" smtClean="0"/>
-              <a:t>6/4/25</a:t>
+              <a:t>10/13/25</a:t>
             </a:fld>
             <a:endParaRPr lang="en-US"/>
           </a:p>
@@ -1306,7 +1306,7 @@
           <a:p>
             <a:fld id="{3DAF2A66-4244-864B-960D-A877598354A4}" type="datetimeFigureOut">
               <a:rPr lang="en-US" smtClean="0"/>
-              <a:t>6/4/25</a:t>
+              <a:t>10/13/25</a:t>
             </a:fld>
             <a:endParaRPr lang="en-US"/>
           </a:p>
@@ -1552,7 +1552,7 @@
           <a:p>
             <a:fld id="{3DAF2A66-4244-864B-960D-A877598354A4}" type="datetimeFigureOut">
               <a:rPr lang="en-US" smtClean="0"/>
-              <a:t>6/4/25</a:t>
+              <a:t>10/13/25</a:t>
             </a:fld>
             <a:endParaRPr lang="en-US"/>
           </a:p>
@@ -1784,7 +1784,7 @@
           <a:p>
             <a:fld id="{3DAF2A66-4244-864B-960D-A877598354A4}" type="datetimeFigureOut">
               <a:rPr lang="en-US" smtClean="0"/>
-              <a:t>6/4/25</a:t>
+              <a:t>10/13/25</a:t>
             </a:fld>
             <a:endParaRPr lang="en-US"/>
           </a:p>
@@ -2151,7 +2151,7 @@
           <a:p>
             <a:fld id="{3DAF2A66-4244-864B-960D-A877598354A4}" type="datetimeFigureOut">
               <a:rPr lang="en-US" smtClean="0"/>
-              <a:t>6/4/25</a:t>
+              <a:t>10/13/25</a:t>
             </a:fld>
             <a:endParaRPr lang="en-US"/>
           </a:p>
@@ -2269,7 +2269,7 @@
           <a:p>
             <a:fld id="{3DAF2A66-4244-864B-960D-A877598354A4}" type="datetimeFigureOut">
               <a:rPr lang="en-US" smtClean="0"/>
-              <a:t>6/4/25</a:t>
+              <a:t>10/13/25</a:t>
             </a:fld>
             <a:endParaRPr lang="en-US"/>
           </a:p>
@@ -2364,7 +2364,7 @@
           <a:p>
             <a:fld id="{3DAF2A66-4244-864B-960D-A877598354A4}" type="datetimeFigureOut">
               <a:rPr lang="en-US" smtClean="0"/>
-              <a:t>6/4/25</a:t>
+              <a:t>10/13/25</a:t>
             </a:fld>
             <a:endParaRPr lang="en-US"/>
           </a:p>
@@ -2641,7 +2641,7 @@
           <a:p>
             <a:fld id="{3DAF2A66-4244-864B-960D-A877598354A4}" type="datetimeFigureOut">
               <a:rPr lang="en-US" smtClean="0"/>
-              <a:t>6/4/25</a:t>
+              <a:t>10/13/25</a:t>
             </a:fld>
             <a:endParaRPr lang="en-US"/>
           </a:p>
@@ -2898,7 +2898,7 @@
           <a:p>
             <a:fld id="{3DAF2A66-4244-864B-960D-A877598354A4}" type="datetimeFigureOut">
               <a:rPr lang="en-US" smtClean="0"/>
-              <a:t>6/4/25</a:t>
+              <a:t>10/13/25</a:t>
             </a:fld>
             <a:endParaRPr lang="en-US"/>
           </a:p>
@@ -3111,7 +3111,7 @@
           <a:p>
             <a:fld id="{3DAF2A66-4244-864B-960D-A877598354A4}" type="datetimeFigureOut">
               <a:rPr lang="en-US" smtClean="0"/>
-              <a:t>6/4/25</a:t>
+              <a:t>10/13/25</a:t>
             </a:fld>
             <a:endParaRPr lang="en-US"/>
           </a:p>
@@ -7082,8 +7082,8 @@
         </p:nvSpPr>
         <p:spPr>
           <a:xfrm>
-            <a:off x="73826" y="3443094"/>
-            <a:ext cx="2305375" cy="307777"/>
+            <a:off x="-59986" y="3443094"/>
+            <a:ext cx="2435218" cy="307777"/>
           </a:xfrm>
           <a:prstGeom prst="rect">
             <a:avLst/>
@@ -7102,7 +7102,7 @@
                   <a:srgbClr val="C00000"/>
                 </a:solidFill>
               </a:rPr>
-              <a:t>Novel Not In Catalog (NIC)</a:t>
+              <a:t>Novel Not In Catalog (NNIC)</a:t>
             </a:r>
           </a:p>
         </p:txBody>
